--- a/paper/images/flowchart2.pptx
+++ b/paper/images/flowchart2.pptx
@@ -112,6 +112,147 @@
 </p:presentation>
 </file>
 
+<file path=ppt/revisionInfo.xml><?xml version="1.0" encoding="utf-8"?>
+<p1510:revInfo xmlns:a="http://schemas.openxmlformats.org/drawingml/2006/main" xmlns:r="http://schemas.openxmlformats.org/officeDocument/2006/relationships" xmlns:p1510="http://schemas.microsoft.com/office/powerpoint/2015/10/main">
+  <p1510:revLst>
+    <p1510:client id="{6479DF96-4570-4900-8789-803A0A5B6696}" v="105" dt="2019-04-15T14:53:09.833"/>
+  </p1510:revLst>
+</p1510:revInfo>
+</file>
+
+<file path=ppt/changesInfos/changesInfo1.xml><?xml version="1.0" encoding="utf-8"?>
+<pc:chgInfo xmlns:a="http://schemas.openxmlformats.org/drawingml/2006/main" xmlns:r="http://schemas.openxmlformats.org/officeDocument/2006/relationships" xmlns:ac="http://schemas.microsoft.com/office/drawing/2013/main/command" xmlns:pc="http://schemas.microsoft.com/office/powerpoint/2013/main/command">
+  <pc:docChgLst>
+    <pc:chgData name="Alvaro Cabrejas Egea" userId="745f0caa-0efc-40e3-8cc7-144e6bf2c20f" providerId="ADAL" clId="{6479DF96-4570-4900-8789-803A0A5B6696}"/>
+    <pc:docChg chg="undo custSel modSld">
+      <pc:chgData name="Alvaro Cabrejas Egea" userId="745f0caa-0efc-40e3-8cc7-144e6bf2c20f" providerId="ADAL" clId="{6479DF96-4570-4900-8789-803A0A5B6696}" dt="2019-04-15T14:53:09.833" v="104" actId="1076"/>
+      <pc:docMkLst>
+        <pc:docMk/>
+      </pc:docMkLst>
+      <pc:sldChg chg="addSp delSp modSp">
+        <pc:chgData name="Alvaro Cabrejas Egea" userId="745f0caa-0efc-40e3-8cc7-144e6bf2c20f" providerId="ADAL" clId="{6479DF96-4570-4900-8789-803A0A5B6696}" dt="2019-04-15T14:53:09.833" v="104" actId="1076"/>
+        <pc:sldMkLst>
+          <pc:docMk/>
+          <pc:sldMk cId="1221348883" sldId="256"/>
+        </pc:sldMkLst>
+        <pc:spChg chg="mod">
+          <ac:chgData name="Alvaro Cabrejas Egea" userId="745f0caa-0efc-40e3-8cc7-144e6bf2c20f" providerId="ADAL" clId="{6479DF96-4570-4900-8789-803A0A5B6696}" dt="2019-04-15T14:49:17.216" v="15" actId="20577"/>
+          <ac:spMkLst>
+            <pc:docMk/>
+            <pc:sldMk cId="1221348883" sldId="256"/>
+            <ac:spMk id="4" creationId="{7CFB2B58-BAEA-4DB9-B100-FF2605C7CF58}"/>
+          </ac:spMkLst>
+        </pc:spChg>
+        <pc:spChg chg="add mod">
+          <ac:chgData name="Alvaro Cabrejas Egea" userId="745f0caa-0efc-40e3-8cc7-144e6bf2c20f" providerId="ADAL" clId="{6479DF96-4570-4900-8789-803A0A5B6696}" dt="2019-04-15T14:53:09.833" v="104" actId="1076"/>
+          <ac:spMkLst>
+            <pc:docMk/>
+            <pc:sldMk cId="1221348883" sldId="256"/>
+            <ac:spMk id="8" creationId="{38283797-A891-4961-B9A3-7F3FF23E9C09}"/>
+          </ac:spMkLst>
+        </pc:spChg>
+        <pc:spChg chg="mod">
+          <ac:chgData name="Alvaro Cabrejas Egea" userId="745f0caa-0efc-40e3-8cc7-144e6bf2c20f" providerId="ADAL" clId="{6479DF96-4570-4900-8789-803A0A5B6696}" dt="2019-04-15T14:50:20.369" v="27" actId="1076"/>
+          <ac:spMkLst>
+            <pc:docMk/>
+            <pc:sldMk cId="1221348883" sldId="256"/>
+            <ac:spMk id="73" creationId="{BF8D2741-8B0C-4179-9B37-A4456EB619C7}"/>
+          </ac:spMkLst>
+        </pc:spChg>
+        <pc:spChg chg="mod">
+          <ac:chgData name="Alvaro Cabrejas Egea" userId="745f0caa-0efc-40e3-8cc7-144e6bf2c20f" providerId="ADAL" clId="{6479DF96-4570-4900-8789-803A0A5B6696}" dt="2019-04-15T14:53:05.280" v="103" actId="14100"/>
+          <ac:spMkLst>
+            <pc:docMk/>
+            <pc:sldMk cId="1221348883" sldId="256"/>
+            <ac:spMk id="77" creationId="{D3EE752A-2D6A-4F99-AFB7-13E5666C540E}"/>
+          </ac:spMkLst>
+        </pc:spChg>
+        <pc:spChg chg="mod">
+          <ac:chgData name="Alvaro Cabrejas Egea" userId="745f0caa-0efc-40e3-8cc7-144e6bf2c20f" providerId="ADAL" clId="{6479DF96-4570-4900-8789-803A0A5B6696}" dt="2019-04-15T14:51:38.160" v="81" actId="20577"/>
+          <ac:spMkLst>
+            <pc:docMk/>
+            <pc:sldMk cId="1221348883" sldId="256"/>
+            <ac:spMk id="141" creationId="{51AACC1E-10DA-45F4-B084-ACB3FDCB9DD4}"/>
+          </ac:spMkLst>
+        </pc:spChg>
+        <pc:spChg chg="del">
+          <ac:chgData name="Alvaro Cabrejas Egea" userId="745f0caa-0efc-40e3-8cc7-144e6bf2c20f" providerId="ADAL" clId="{6479DF96-4570-4900-8789-803A0A5B6696}" dt="2019-04-15T14:50:06.593" v="26" actId="478"/>
+          <ac:spMkLst>
+            <pc:docMk/>
+            <pc:sldMk cId="1221348883" sldId="256"/>
+            <ac:spMk id="146" creationId="{57E3FD30-F8EB-4A4D-99D6-A5D53D38581C}"/>
+          </ac:spMkLst>
+        </pc:spChg>
+        <pc:spChg chg="mod">
+          <ac:chgData name="Alvaro Cabrejas Egea" userId="745f0caa-0efc-40e3-8cc7-144e6bf2c20f" providerId="ADAL" clId="{6479DF96-4570-4900-8789-803A0A5B6696}" dt="2019-04-15T14:50:39.154" v="36" actId="20577"/>
+          <ac:spMkLst>
+            <pc:docMk/>
+            <pc:sldMk cId="1221348883" sldId="256"/>
+            <ac:spMk id="151" creationId="{9BC48D0F-3586-4790-9736-5D5E44D2FBFD}"/>
+          </ac:spMkLst>
+        </pc:spChg>
+        <pc:spChg chg="mod">
+          <ac:chgData name="Alvaro Cabrejas Egea" userId="745f0caa-0efc-40e3-8cc7-144e6bf2c20f" providerId="ADAL" clId="{6479DF96-4570-4900-8789-803A0A5B6696}" dt="2019-04-15T14:50:49.471" v="57" actId="20577"/>
+          <ac:spMkLst>
+            <pc:docMk/>
+            <pc:sldMk cId="1221348883" sldId="256"/>
+            <ac:spMk id="155" creationId="{2BD91A74-91FD-4515-8DD4-FBF00FAEC8BC}"/>
+          </ac:spMkLst>
+        </pc:spChg>
+        <pc:cxnChg chg="mod">
+          <ac:chgData name="Alvaro Cabrejas Egea" userId="745f0caa-0efc-40e3-8cc7-144e6bf2c20f" providerId="ADAL" clId="{6479DF96-4570-4900-8789-803A0A5B6696}" dt="2019-04-15T14:53:05.280" v="103" actId="14100"/>
+          <ac:cxnSpMkLst>
+            <pc:docMk/>
+            <pc:sldMk cId="1221348883" sldId="256"/>
+            <ac:cxnSpMk id="78" creationId="{652145F3-0297-4A3D-ACF4-F0BCC01409B9}"/>
+          </ac:cxnSpMkLst>
+        </pc:cxnChg>
+        <pc:cxnChg chg="mod">
+          <ac:chgData name="Alvaro Cabrejas Egea" userId="745f0caa-0efc-40e3-8cc7-144e6bf2c20f" providerId="ADAL" clId="{6479DF96-4570-4900-8789-803A0A5B6696}" dt="2019-04-15T14:50:26.963" v="29" actId="14100"/>
+          <ac:cxnSpMkLst>
+            <pc:docMk/>
+            <pc:sldMk cId="1221348883" sldId="256"/>
+            <ac:cxnSpMk id="83" creationId="{7096B1BC-BA79-4F7A-B749-D72F24B1ADF2}"/>
+          </ac:cxnSpMkLst>
+        </pc:cxnChg>
+        <pc:cxnChg chg="mod">
+          <ac:chgData name="Alvaro Cabrejas Egea" userId="745f0caa-0efc-40e3-8cc7-144e6bf2c20f" providerId="ADAL" clId="{6479DF96-4570-4900-8789-803A0A5B6696}" dt="2019-04-15T14:53:05.280" v="103" actId="14100"/>
+          <ac:cxnSpMkLst>
+            <pc:docMk/>
+            <pc:sldMk cId="1221348883" sldId="256"/>
+            <ac:cxnSpMk id="93" creationId="{3A4797C3-4B05-434B-92E8-C79D587B70DB}"/>
+          </ac:cxnSpMkLst>
+        </pc:cxnChg>
+        <pc:cxnChg chg="del mod">
+          <ac:chgData name="Alvaro Cabrejas Egea" userId="745f0caa-0efc-40e3-8cc7-144e6bf2c20f" providerId="ADAL" clId="{6479DF96-4570-4900-8789-803A0A5B6696}" dt="2019-04-15T14:50:22.512" v="28" actId="478"/>
+          <ac:cxnSpMkLst>
+            <pc:docMk/>
+            <pc:sldMk cId="1221348883" sldId="256"/>
+            <ac:cxnSpMk id="96" creationId="{F1A82E3D-3952-4BF2-99E8-0BBFD158FB3F}"/>
+          </ac:cxnSpMkLst>
+        </pc:cxnChg>
+        <pc:cxnChg chg="mod">
+          <ac:chgData name="Alvaro Cabrejas Egea" userId="745f0caa-0efc-40e3-8cc7-144e6bf2c20f" providerId="ADAL" clId="{6479DF96-4570-4900-8789-803A0A5B6696}" dt="2019-04-15T14:50:20.369" v="27" actId="1076"/>
+          <ac:cxnSpMkLst>
+            <pc:docMk/>
+            <pc:sldMk cId="1221348883" sldId="256"/>
+            <ac:cxnSpMk id="102" creationId="{2B7E534E-36C8-45B7-980F-C1F9F53BEAD6}"/>
+          </ac:cxnSpMkLst>
+        </pc:cxnChg>
+        <pc:cxnChg chg="mod">
+          <ac:chgData name="Alvaro Cabrejas Egea" userId="745f0caa-0efc-40e3-8cc7-144e6bf2c20f" providerId="ADAL" clId="{6479DF96-4570-4900-8789-803A0A5B6696}" dt="2019-04-15T14:53:05.280" v="103" actId="14100"/>
+          <ac:cxnSpMkLst>
+            <pc:docMk/>
+            <pc:sldMk cId="1221348883" sldId="256"/>
+            <ac:cxnSpMk id="162" creationId="{90B94B82-E07A-4821-83BC-1E391CAB4104}"/>
+          </ac:cxnSpMkLst>
+        </pc:cxnChg>
+      </pc:sldChg>
+    </pc:docChg>
+  </pc:docChgLst>
+</pc:chgInfo>
+</file>
+
 <file path=ppt/slideLayouts/slideLayout1.xml><?xml version="1.0" encoding="utf-8"?>
 <p:sldLayout xmlns:a="http://schemas.openxmlformats.org/drawingml/2006/main" xmlns:r="http://schemas.openxmlformats.org/officeDocument/2006/relationships" xmlns:p="http://schemas.openxmlformats.org/presentationml/2006/main" type="title" preserve="1">
   <p:cSld name="Title Slide">
@@ -243,7 +384,7 @@
           <a:p>
             <a:fld id="{DF268C98-BE7A-47EC-BC75-D7811FD19112}" type="datetimeFigureOut">
               <a:rPr lang="en-GB" smtClean="0"/>
-              <a:t>04/09/2018</a:t>
+              <a:t>15/04/2019</a:t>
             </a:fld>
             <a:endParaRPr lang="en-GB"/>
           </a:p>
@@ -413,7 +554,7 @@
           <a:p>
             <a:fld id="{DF268C98-BE7A-47EC-BC75-D7811FD19112}" type="datetimeFigureOut">
               <a:rPr lang="en-GB" smtClean="0"/>
-              <a:t>04/09/2018</a:t>
+              <a:t>15/04/2019</a:t>
             </a:fld>
             <a:endParaRPr lang="en-GB"/>
           </a:p>
@@ -593,7 +734,7 @@
           <a:p>
             <a:fld id="{DF268C98-BE7A-47EC-BC75-D7811FD19112}" type="datetimeFigureOut">
               <a:rPr lang="en-GB" smtClean="0"/>
-              <a:t>04/09/2018</a:t>
+              <a:t>15/04/2019</a:t>
             </a:fld>
             <a:endParaRPr lang="en-GB"/>
           </a:p>
@@ -763,7 +904,7 @@
           <a:p>
             <a:fld id="{DF268C98-BE7A-47EC-BC75-D7811FD19112}" type="datetimeFigureOut">
               <a:rPr lang="en-GB" smtClean="0"/>
-              <a:t>04/09/2018</a:t>
+              <a:t>15/04/2019</a:t>
             </a:fld>
             <a:endParaRPr lang="en-GB"/>
           </a:p>
@@ -1009,7 +1150,7 @@
           <a:p>
             <a:fld id="{DF268C98-BE7A-47EC-BC75-D7811FD19112}" type="datetimeFigureOut">
               <a:rPr lang="en-GB" smtClean="0"/>
-              <a:t>04/09/2018</a:t>
+              <a:t>15/04/2019</a:t>
             </a:fld>
             <a:endParaRPr lang="en-GB"/>
           </a:p>
@@ -1241,7 +1382,7 @@
           <a:p>
             <a:fld id="{DF268C98-BE7A-47EC-BC75-D7811FD19112}" type="datetimeFigureOut">
               <a:rPr lang="en-GB" smtClean="0"/>
-              <a:t>04/09/2018</a:t>
+              <a:t>15/04/2019</a:t>
             </a:fld>
             <a:endParaRPr lang="en-GB"/>
           </a:p>
@@ -1608,7 +1749,7 @@
           <a:p>
             <a:fld id="{DF268C98-BE7A-47EC-BC75-D7811FD19112}" type="datetimeFigureOut">
               <a:rPr lang="en-GB" smtClean="0"/>
-              <a:t>04/09/2018</a:t>
+              <a:t>15/04/2019</a:t>
             </a:fld>
             <a:endParaRPr lang="en-GB"/>
           </a:p>
@@ -1726,7 +1867,7 @@
           <a:p>
             <a:fld id="{DF268C98-BE7A-47EC-BC75-D7811FD19112}" type="datetimeFigureOut">
               <a:rPr lang="en-GB" smtClean="0"/>
-              <a:t>04/09/2018</a:t>
+              <a:t>15/04/2019</a:t>
             </a:fld>
             <a:endParaRPr lang="en-GB"/>
           </a:p>
@@ -1821,7 +1962,7 @@
           <a:p>
             <a:fld id="{DF268C98-BE7A-47EC-BC75-D7811FD19112}" type="datetimeFigureOut">
               <a:rPr lang="en-GB" smtClean="0"/>
-              <a:t>04/09/2018</a:t>
+              <a:t>15/04/2019</a:t>
             </a:fld>
             <a:endParaRPr lang="en-GB"/>
           </a:p>
@@ -2098,7 +2239,7 @@
           <a:p>
             <a:fld id="{DF268C98-BE7A-47EC-BC75-D7811FD19112}" type="datetimeFigureOut">
               <a:rPr lang="en-GB" smtClean="0"/>
-              <a:t>04/09/2018</a:t>
+              <a:t>15/04/2019</a:t>
             </a:fld>
             <a:endParaRPr lang="en-GB"/>
           </a:p>
@@ -2355,7 +2496,7 @@
           <a:p>
             <a:fld id="{DF268C98-BE7A-47EC-BC75-D7811FD19112}" type="datetimeFigureOut">
               <a:rPr lang="en-GB" smtClean="0"/>
-              <a:t>04/09/2018</a:t>
+              <a:t>15/04/2019</a:t>
             </a:fld>
             <a:endParaRPr lang="en-GB"/>
           </a:p>
@@ -2568,7 +2709,7 @@
           <a:p>
             <a:fld id="{DF268C98-BE7A-47EC-BC75-D7811FD19112}" type="datetimeFigureOut">
               <a:rPr lang="en-GB" smtClean="0"/>
-              <a:t>04/09/2018</a:t>
+              <a:t>15/04/2019</a:t>
             </a:fld>
             <a:endParaRPr lang="en-GB"/>
           </a:p>
@@ -2973,51 +3114,6 @@
           <a:chExt cx="0" cy="0"/>
         </a:xfrm>
       </p:grpSpPr>
-      <p:cxnSp>
-        <p:nvCxnSpPr>
-          <p:cNvPr id="96" name="Straight Arrow Connector 10">
-            <a:extLst>
-              <a:ext uri="{FF2B5EF4-FFF2-40B4-BE49-F238E27FC236}">
-                <a16:creationId xmlns:a16="http://schemas.microsoft.com/office/drawing/2014/main" id="{F1A82E3D-3952-4BF2-99E8-0BBFD158FB3F}"/>
-              </a:ext>
-            </a:extLst>
-          </p:cNvPr>
-          <p:cNvCxnSpPr>
-            <a:cxnSpLocks/>
-            <a:stCxn id="146" idx="0"/>
-            <a:endCxn id="73" idx="2"/>
-          </p:cNvCxnSpPr>
-          <p:nvPr/>
-        </p:nvCxnSpPr>
-        <p:spPr>
-          <a:xfrm flipV="1">
-            <a:off x="5617369" y="2770452"/>
-            <a:ext cx="0" cy="157362"/>
-          </a:xfrm>
-          <a:prstGeom prst="straightConnector1">
-            <a:avLst/>
-          </a:prstGeom>
-          <a:ln w="9525">
-            <a:prstDash val="solid"/>
-            <a:headEnd type="triangle"/>
-            <a:tailEnd type="none"/>
-          </a:ln>
-        </p:spPr>
-        <p:style>
-          <a:lnRef idx="1">
-            <a:schemeClr val="dk1"/>
-          </a:lnRef>
-          <a:fillRef idx="0">
-            <a:schemeClr val="dk1"/>
-          </a:fillRef>
-          <a:effectRef idx="0">
-            <a:schemeClr val="dk1"/>
-          </a:effectRef>
-          <a:fontRef idx="minor">
-            <a:schemeClr val="tx1"/>
-          </a:fontRef>
-        </p:style>
-      </p:cxnSp>
       <p:sp>
         <p:nvSpPr>
           <p:cNvPr id="30" name="Flowchart: Data 29">
@@ -3397,7 +3493,7 @@
         </p:nvSpPr>
         <p:spPr>
           <a:xfrm>
-            <a:off x="4741567" y="2277045"/>
+            <a:off x="4762214" y="2954198"/>
             <a:ext cx="1751603" cy="493407"/>
           </a:xfrm>
           <a:prstGeom prst="rect">
@@ -3742,14 +3838,14 @@
           <p:cNvCxnSpPr>
             <a:cxnSpLocks/>
             <a:stCxn id="155" idx="3"/>
-            <a:endCxn id="146" idx="1"/>
+            <a:endCxn id="73" idx="1"/>
           </p:cNvCxnSpPr>
           <p:nvPr/>
         </p:nvCxnSpPr>
         <p:spPr>
           <a:xfrm>
             <a:off x="4485683" y="3200902"/>
-            <a:ext cx="255884" cy="0"/>
+            <a:ext cx="276531" cy="0"/>
           </a:xfrm>
           <a:prstGeom prst="straightConnector1">
             <a:avLst/>
@@ -3883,8 +3979,8 @@
         </p:nvCxnSpPr>
         <p:spPr>
           <a:xfrm flipV="1">
-            <a:off x="5617369" y="1503964"/>
-            <a:ext cx="20647" cy="773081"/>
+            <a:off x="5638016" y="1503964"/>
+            <a:ext cx="0" cy="1450234"/>
           </a:xfrm>
           <a:prstGeom prst="straightConnector1">
             <a:avLst/>
@@ -4085,7 +4181,7 @@
                   <a:ea typeface="Cambria Math" panose="02040503050406030204" pitchFamily="18" charset="0"/>
                   <a:cs typeface="Leelawadee UI Semilight" panose="020B0402040204020203" pitchFamily="34" charset="-34"/>
                 </a:rPr>
-                <a:t>Filter</a:t>
+                <a:t>Wavelet Analysis</a:t>
               </a:r>
             </a:p>
           </p:txBody>
@@ -4839,121 +4935,7 @@
                 <a:latin typeface="Leelawadee UI Semilight" panose="020B0402040204020203" pitchFamily="34" charset="-34"/>
                 <a:cs typeface="Leelawadee UI Semilight" panose="020B0402040204020203" pitchFamily="34" charset="-34"/>
               </a:rPr>
-              <a:t>Fourier</a:t>
-            </a:r>
-            <a:r>
-              <a:rPr lang="en-GB" sz="1473" b="1" dirty="0">
-                <a:solidFill>
-                  <a:schemeClr val="tx1"/>
-                </a:solidFill>
-                <a:latin typeface="Leelawadee UI" panose="020B0502040204020203" pitchFamily="34" charset="-34"/>
-                <a:cs typeface="Leelawadee UI" panose="020B0502040204020203" pitchFamily="34" charset="-34"/>
-              </a:rPr>
-              <a:t> </a:t>
-            </a:r>
-            <a:r>
-              <a:rPr lang="en-GB" sz="1473" b="1" dirty="0">
-                <a:solidFill>
-                  <a:schemeClr val="tx1"/>
-                </a:solidFill>
-                <a:latin typeface="Leelawadee UI Semilight" panose="020B0402040204020203" pitchFamily="34" charset="-34"/>
-                <a:cs typeface="Leelawadee UI Semilight" panose="020B0402040204020203" pitchFamily="34" charset="-34"/>
-              </a:rPr>
-              <a:t>Model</a:t>
-            </a:r>
-          </a:p>
-        </p:txBody>
-      </p:sp>
-      <p:sp>
-        <p:nvSpPr>
-          <p:cNvPr id="146" name="Rectangle: Rounded Corners 145">
-            <a:extLst>
-              <a:ext uri="{FF2B5EF4-FFF2-40B4-BE49-F238E27FC236}">
-                <a16:creationId xmlns:a16="http://schemas.microsoft.com/office/drawing/2014/main" id="{57E3FD30-F8EB-4A4D-99D6-A5D53D38581C}"/>
-              </a:ext>
-            </a:extLst>
-          </p:cNvPr>
-          <p:cNvSpPr/>
-          <p:nvPr/>
-        </p:nvSpPr>
-        <p:spPr>
-          <a:xfrm>
-            <a:off x="4741567" y="2927814"/>
-            <a:ext cx="1751603" cy="546175"/>
-          </a:xfrm>
-          <a:prstGeom prst="roundRect">
-            <a:avLst/>
-          </a:prstGeom>
-          <a:solidFill>
-            <a:schemeClr val="accent6">
-              <a:lumMod val="40000"/>
-              <a:lumOff val="60000"/>
-            </a:schemeClr>
-          </a:solidFill>
-          <a:ln>
-            <a:solidFill>
-              <a:schemeClr val="accent6">
-                <a:lumMod val="40000"/>
-                <a:lumOff val="60000"/>
-              </a:schemeClr>
-            </a:solidFill>
-          </a:ln>
-        </p:spPr>
-        <p:style>
-          <a:lnRef idx="2">
-            <a:schemeClr val="accent1">
-              <a:shade val="50000"/>
-            </a:schemeClr>
-          </a:lnRef>
-          <a:fillRef idx="1">
-            <a:schemeClr val="accent1"/>
-          </a:fillRef>
-          <a:effectRef idx="0">
-            <a:schemeClr val="accent1"/>
-          </a:effectRef>
-          <a:fontRef idx="minor">
-            <a:schemeClr val="lt1"/>
-          </a:fontRef>
-        </p:style>
-        <p:txBody>
-          <a:bodyPr rot="0" spcFirstLastPara="0" vertOverflow="overflow" horzOverflow="overflow" vert="horz" wrap="square" lIns="112228" tIns="56115" rIns="112228" bIns="56115" numCol="1" spcCol="0" rtlCol="0" fromWordArt="0" anchor="ctr" anchorCtr="0" forceAA="0" compatLnSpc="1">
-            <a:prstTxWarp prst="textNoShape">
-              <a:avLst/>
-            </a:prstTxWarp>
-            <a:noAutofit/>
-          </a:bodyPr>
-          <a:lstStyle/>
-          <a:p>
-            <a:pPr algn="ctr"/>
-            <a:r>
-              <a:rPr lang="en-GB" sz="1473" b="1" dirty="0">
-                <a:solidFill>
-                  <a:schemeClr val="tx1"/>
-                </a:solidFill>
-                <a:latin typeface="Leelawadee UI Semilight" panose="020B0402040204020203" pitchFamily="34" charset="-34"/>
-                <a:cs typeface="Leelawadee UI Semilight" panose="020B0402040204020203" pitchFamily="34" charset="-34"/>
-              </a:rPr>
-              <a:t>STL Spikes</a:t>
-            </a:r>
-            <a:r>
-              <a:rPr lang="en-GB" sz="1473" b="1" dirty="0">
-                <a:solidFill>
-                  <a:schemeClr val="tx1"/>
-                </a:solidFill>
-                <a:latin typeface="Leelawadee UI" panose="020B0502040204020203" pitchFamily="34" charset="-34"/>
-                <a:cs typeface="Leelawadee UI" panose="020B0502040204020203" pitchFamily="34" charset="-34"/>
-              </a:rPr>
-              <a:t> </a:t>
-            </a:r>
-            <a:r>
-              <a:rPr lang="en-GB" sz="1473" b="1" dirty="0">
-                <a:solidFill>
-                  <a:schemeClr val="tx1"/>
-                </a:solidFill>
-                <a:latin typeface="Leelawadee UI Semilight" panose="020B0402040204020203" pitchFamily="34" charset="-34"/>
-                <a:cs typeface="Leelawadee UI Semilight" panose="020B0402040204020203" pitchFamily="34" charset="-34"/>
-              </a:rPr>
-              <a:t>Model</a:t>
+              <a:t>Spectral Background</a:t>
             </a:r>
           </a:p>
         </p:txBody>
@@ -5027,7 +5009,7 @@
                 <a:latin typeface="Leelawadee UI Semilight" panose="020B0402040204020203" pitchFamily="34" charset="-34"/>
                 <a:cs typeface="Leelawadee UI Semilight" panose="020B0402040204020203" pitchFamily="34" charset="-34"/>
               </a:rPr>
-              <a:t>Hybrid</a:t>
+              <a:t>Warwick</a:t>
             </a:r>
             <a:r>
               <a:rPr lang="en-GB" sz="1473" b="1" dirty="0">
@@ -5121,27 +5103,7 @@
                 <a:latin typeface="Leelawadee UI Semilight" panose="020B0402040204020203" pitchFamily="34" charset="-34"/>
                 <a:cs typeface="Leelawadee UI Semilight" panose="020B0402040204020203" pitchFamily="34" charset="-34"/>
               </a:rPr>
-              <a:t>STL Background</a:t>
-            </a:r>
-            <a:r>
-              <a:rPr lang="en-GB" sz="1473" b="1" dirty="0">
-                <a:solidFill>
-                  <a:schemeClr val="tx1"/>
-                </a:solidFill>
-                <a:latin typeface="Leelawadee UI" panose="020B0502040204020203" pitchFamily="34" charset="-34"/>
-                <a:cs typeface="Leelawadee UI" panose="020B0502040204020203" pitchFamily="34" charset="-34"/>
-              </a:rPr>
-              <a:t> </a:t>
-            </a:r>
-            <a:r>
-              <a:rPr lang="en-GB" sz="1473" b="1" dirty="0">
-                <a:solidFill>
-                  <a:schemeClr val="tx1"/>
-                </a:solidFill>
-                <a:latin typeface="Leelawadee UI Semilight" panose="020B0402040204020203" pitchFamily="34" charset="-34"/>
-                <a:cs typeface="Leelawadee UI Semilight" panose="020B0402040204020203" pitchFamily="34" charset="-34"/>
-              </a:rPr>
-              <a:t>Model</a:t>
+              <a:t>Seasonal Congestion</a:t>
             </a:r>
           </a:p>
         </p:txBody>
@@ -5327,6 +5289,41 @@
           </a:fontRef>
         </p:style>
       </p:cxnSp>
+      <p:sp>
+        <p:nvSpPr>
+          <p:cNvPr id="8" name="TextBox 7">
+            <a:extLst>
+              <a:ext uri="{FF2B5EF4-FFF2-40B4-BE49-F238E27FC236}">
+                <a16:creationId xmlns:a16="http://schemas.microsoft.com/office/drawing/2014/main" id="{38283797-A891-4961-B9A3-7F3FF23E9C09}"/>
+              </a:ext>
+            </a:extLst>
+          </p:cNvPr>
+          <p:cNvSpPr txBox="1"/>
+          <p:nvPr/>
+        </p:nvSpPr>
+        <p:spPr>
+          <a:xfrm>
+            <a:off x="3837905" y="3676665"/>
+            <a:ext cx="1918775" cy="369332"/>
+          </a:xfrm>
+          <a:prstGeom prst="rect">
+            <a:avLst/>
+          </a:prstGeom>
+          <a:noFill/>
+        </p:spPr>
+        <p:txBody>
+          <a:bodyPr wrap="square" rtlCol="0">
+            <a:spAutoFit/>
+          </a:bodyPr>
+          <a:lstStyle/>
+          <a:p>
+            <a:r>
+              <a:rPr lang="en-GB" dirty="0"/>
+              <a:t>Indicator Function</a:t>
+            </a:r>
+          </a:p>
+        </p:txBody>
+      </p:sp>
     </p:spTree>
     <p:extLst>
       <p:ext uri="{BB962C8B-B14F-4D97-AF65-F5344CB8AC3E}">

--- a/paper/images/flowchart2.pptx
+++ b/paper/images/flowchart2.pptx
@@ -384,7 +384,7 @@
           <a:p>
             <a:fld id="{DF268C98-BE7A-47EC-BC75-D7811FD19112}" type="datetimeFigureOut">
               <a:rPr lang="en-GB" smtClean="0"/>
-              <a:t>15/04/2019</a:t>
+              <a:t>01/03/2020</a:t>
             </a:fld>
             <a:endParaRPr lang="en-GB"/>
           </a:p>
@@ -554,7 +554,7 @@
           <a:p>
             <a:fld id="{DF268C98-BE7A-47EC-BC75-D7811FD19112}" type="datetimeFigureOut">
               <a:rPr lang="en-GB" smtClean="0"/>
-              <a:t>15/04/2019</a:t>
+              <a:t>01/03/2020</a:t>
             </a:fld>
             <a:endParaRPr lang="en-GB"/>
           </a:p>
@@ -734,7 +734,7 @@
           <a:p>
             <a:fld id="{DF268C98-BE7A-47EC-BC75-D7811FD19112}" type="datetimeFigureOut">
               <a:rPr lang="en-GB" smtClean="0"/>
-              <a:t>15/04/2019</a:t>
+              <a:t>01/03/2020</a:t>
             </a:fld>
             <a:endParaRPr lang="en-GB"/>
           </a:p>
@@ -904,7 +904,7 @@
           <a:p>
             <a:fld id="{DF268C98-BE7A-47EC-BC75-D7811FD19112}" type="datetimeFigureOut">
               <a:rPr lang="en-GB" smtClean="0"/>
-              <a:t>15/04/2019</a:t>
+              <a:t>01/03/2020</a:t>
             </a:fld>
             <a:endParaRPr lang="en-GB"/>
           </a:p>
@@ -1150,7 +1150,7 @@
           <a:p>
             <a:fld id="{DF268C98-BE7A-47EC-BC75-D7811FD19112}" type="datetimeFigureOut">
               <a:rPr lang="en-GB" smtClean="0"/>
-              <a:t>15/04/2019</a:t>
+              <a:t>01/03/2020</a:t>
             </a:fld>
             <a:endParaRPr lang="en-GB"/>
           </a:p>
@@ -1382,7 +1382,7 @@
           <a:p>
             <a:fld id="{DF268C98-BE7A-47EC-BC75-D7811FD19112}" type="datetimeFigureOut">
               <a:rPr lang="en-GB" smtClean="0"/>
-              <a:t>15/04/2019</a:t>
+              <a:t>01/03/2020</a:t>
             </a:fld>
             <a:endParaRPr lang="en-GB"/>
           </a:p>
@@ -1749,7 +1749,7 @@
           <a:p>
             <a:fld id="{DF268C98-BE7A-47EC-BC75-D7811FD19112}" type="datetimeFigureOut">
               <a:rPr lang="en-GB" smtClean="0"/>
-              <a:t>15/04/2019</a:t>
+              <a:t>01/03/2020</a:t>
             </a:fld>
             <a:endParaRPr lang="en-GB"/>
           </a:p>
@@ -1867,7 +1867,7 @@
           <a:p>
             <a:fld id="{DF268C98-BE7A-47EC-BC75-D7811FD19112}" type="datetimeFigureOut">
               <a:rPr lang="en-GB" smtClean="0"/>
-              <a:t>15/04/2019</a:t>
+              <a:t>01/03/2020</a:t>
             </a:fld>
             <a:endParaRPr lang="en-GB"/>
           </a:p>
@@ -1962,7 +1962,7 @@
           <a:p>
             <a:fld id="{DF268C98-BE7A-47EC-BC75-D7811FD19112}" type="datetimeFigureOut">
               <a:rPr lang="en-GB" smtClean="0"/>
-              <a:t>15/04/2019</a:t>
+              <a:t>01/03/2020</a:t>
             </a:fld>
             <a:endParaRPr lang="en-GB"/>
           </a:p>
@@ -2239,7 +2239,7 @@
           <a:p>
             <a:fld id="{DF268C98-BE7A-47EC-BC75-D7811FD19112}" type="datetimeFigureOut">
               <a:rPr lang="en-GB" smtClean="0"/>
-              <a:t>15/04/2019</a:t>
+              <a:t>01/03/2020</a:t>
             </a:fld>
             <a:endParaRPr lang="en-GB"/>
           </a:p>
@@ -2496,7 +2496,7 @@
           <a:p>
             <a:fld id="{DF268C98-BE7A-47EC-BC75-D7811FD19112}" type="datetimeFigureOut">
               <a:rPr lang="en-GB" smtClean="0"/>
-              <a:t>15/04/2019</a:t>
+              <a:t>01/03/2020</a:t>
             </a:fld>
             <a:endParaRPr lang="en-GB"/>
           </a:p>
@@ -2709,7 +2709,7 @@
           <a:p>
             <a:fld id="{DF268C98-BE7A-47EC-BC75-D7811FD19112}" type="datetimeFigureOut">
               <a:rPr lang="en-GB" smtClean="0"/>
-              <a:t>15/04/2019</a:t>
+              <a:t>01/03/2020</a:t>
             </a:fld>
             <a:endParaRPr lang="en-GB"/>
           </a:p>
@@ -5009,7 +5009,7 @@
                 <a:latin typeface="Leelawadee UI Semilight" panose="020B0402040204020203" pitchFamily="34" charset="-34"/>
                 <a:cs typeface="Leelawadee UI Semilight" panose="020B0402040204020203" pitchFamily="34" charset="-34"/>
               </a:rPr>
-              <a:t>Warwick</a:t>
+              <a:t>WARP</a:t>
             </a:r>
             <a:r>
               <a:rPr lang="en-GB" sz="1473" b="1" dirty="0">
